--- a/Pytorch_how-to-use.pptx
+++ b/Pytorch_how-to-use.pptx
@@ -224,7 +224,7 @@
           <a:p>
             <a:fld id="{1FDA6CA7-BECC-A140-881B-9AEA01D35783}" type="datetimeFigureOut">
               <a:rPr kumimoji="1" lang="ko-KR" altLang="en-US" smtClean="0"/>
-              <a:t>2019. 5. 11.</a:t>
+              <a:t>2019. 7. 20.</a:t>
             </a:fld>
             <a:endParaRPr kumimoji="1" lang="ko-KR" altLang="en-US"/>
           </a:p>
@@ -401,7 +401,7 @@
           <a:p>
             <a:fld id="{77C61AE3-C956-234A-B3FB-D26FDEC07CAC}" type="datetimeFigureOut">
               <a:rPr kumimoji="1" lang="ko-KR" altLang="en-US" smtClean="0"/>
-              <a:t>2019. 5. 11.</a:t>
+              <a:t>2019. 7. 20.</a:t>
             </a:fld>
             <a:endParaRPr kumimoji="1" lang="ko-KR" altLang="en-US"/>
           </a:p>
@@ -1633,7 +1633,7 @@
           <a:p>
             <a:fld id="{F80FFABB-E3A2-284D-ABBD-5B693F418E28}" type="datetime1">
               <a:rPr kumimoji="1" lang="ko-KR" altLang="en-US" smtClean="0"/>
-              <a:t>2019. 5. 11.</a:t>
+              <a:t>2019. 7. 20.</a:t>
             </a:fld>
             <a:endParaRPr kumimoji="1" lang="ko-KR" altLang="en-US"/>
           </a:p>
@@ -1816,7 +1816,7 @@
           <a:p>
             <a:fld id="{29BAF111-E1E9-FD49-9755-02642A96AF9C}" type="datetime1">
               <a:rPr kumimoji="1" lang="ko-KR" altLang="en-US" smtClean="0"/>
-              <a:t>2019. 5. 11.</a:t>
+              <a:t>2019. 7. 20.</a:t>
             </a:fld>
             <a:endParaRPr kumimoji="1" lang="ko-KR" altLang="en-US"/>
           </a:p>
@@ -2279,7 +2279,7 @@
           <a:p>
             <a:fld id="{97890762-482D-AA4E-8967-FD85DFF88457}" type="datetime1">
               <a:rPr kumimoji="1" lang="ko-KR" altLang="en-US" smtClean="0"/>
-              <a:t>2019. 5. 11.</a:t>
+              <a:t>2019. 7. 20.</a:t>
             </a:fld>
             <a:endParaRPr kumimoji="1" lang="ko-KR" altLang="en-US"/>
           </a:p>
@@ -2494,7 +2494,7 @@
           <a:p>
             <a:fld id="{52B4DCF7-CABA-4342-A861-AADF29B48032}" type="datetime1">
               <a:rPr kumimoji="1" lang="ko-KR" altLang="en-US" smtClean="0"/>
-              <a:t>2019. 5. 11.</a:t>
+              <a:t>2019. 7. 20.</a:t>
             </a:fld>
             <a:endParaRPr kumimoji="1" lang="ko-KR" altLang="en-US"/>
           </a:p>
@@ -2862,7 +2862,7 @@
           <a:p>
             <a:fld id="{B004F70F-DA6D-7C4B-957D-AD77AD7C21A5}" type="datetime1">
               <a:rPr kumimoji="1" lang="ko-KR" altLang="en-US" smtClean="0"/>
-              <a:t>2019. 5. 11.</a:t>
+              <a:t>2019. 7. 20.</a:t>
             </a:fld>
             <a:endParaRPr kumimoji="1" lang="ko-KR" altLang="en-US"/>
           </a:p>
@@ -3003,7 +3003,7 @@
           <a:p>
             <a:fld id="{30515FA0-C2A5-904C-B36B-1290834D2ACD}" type="datetime1">
               <a:rPr kumimoji="1" lang="ko-KR" altLang="en-US" smtClean="0"/>
-              <a:t>2019. 5. 11.</a:t>
+              <a:t>2019. 7. 20.</a:t>
             </a:fld>
             <a:endParaRPr kumimoji="1" lang="ko-KR" altLang="en-US"/>
           </a:p>
@@ -3116,7 +3116,7 @@
           <a:p>
             <a:fld id="{5DDF6089-84F8-8C40-822E-4F3650950832}" type="datetime1">
               <a:rPr kumimoji="1" lang="ko-KR" altLang="en-US" smtClean="0"/>
-              <a:t>2019. 5. 11.</a:t>
+              <a:t>2019. 7. 20.</a:t>
             </a:fld>
             <a:endParaRPr kumimoji="1" lang="ko-KR" altLang="en-US"/>
           </a:p>
@@ -3405,7 +3405,7 @@
           <a:p>
             <a:fld id="{8A153D1C-801E-DB4D-BFF5-AC3C92D3D274}" type="datetime1">
               <a:rPr kumimoji="1" lang="ko-KR" altLang="en-US" smtClean="0"/>
-              <a:t>2019. 5. 11.</a:t>
+              <a:t>2019. 7. 20.</a:t>
             </a:fld>
             <a:endParaRPr kumimoji="1" lang="ko-KR" altLang="en-US"/>
           </a:p>
@@ -3696,7 +3696,7 @@
           <a:p>
             <a:fld id="{18DB865A-C165-D248-A921-E6C9AAD3CDC6}" type="datetime1">
               <a:rPr kumimoji="1" lang="ko-KR" altLang="en-US" smtClean="0"/>
-              <a:t>2019. 5. 11.</a:t>
+              <a:t>2019. 7. 20.</a:t>
             </a:fld>
             <a:endParaRPr kumimoji="1" lang="ko-KR" altLang="en-US"/>
           </a:p>
@@ -3912,7 +3912,7 @@
           <a:p>
             <a:fld id="{E87B3A68-8C43-9E41-B31F-D3CBA1100764}" type="datetime1">
               <a:rPr kumimoji="1" lang="ko-KR" altLang="en-US" smtClean="0"/>
-              <a:t>2019. 5. 11.</a:t>
+              <a:t>2019. 7. 20.</a:t>
             </a:fld>
             <a:endParaRPr kumimoji="1" lang="ko-KR" altLang="en-US"/>
           </a:p>
